--- a/Day7/7-paev-andmetarkus-esitlus.pptx
+++ b/Day7/7-paev-andmetarkus-esitlus.pptx
@@ -152,13 +152,48 @@
 </p:presentation>
 </file>
 
-<file path=ppt/revisionInfo.xml><?xml version="1.0" encoding="utf-8"?>
-<p1510:revInfo xmlns:a="http://schemas.openxmlformats.org/drawingml/2006/main" xmlns:r="http://schemas.openxmlformats.org/officeDocument/2006/relationships" xmlns:p1510="http://schemas.microsoft.com/office/powerpoint/2015/10/main">
-  <p1510:revLst>
-    <p1510:client id="{063C4EBC-B791-6F67-15C6-2B67085DA7E3}" v="40" dt="2025-08-31T14:39:25.509"/>
-    <p1510:client id="{23D0725A-C739-F349-5572-0A24EB2DE327}" v="185" dt="2025-08-31T14:27:48.008"/>
-  </p1510:revLst>
-</p1510:revInfo>
+<file path=ppt/changesInfos/changesInfo1.xml><?xml version="1.0" encoding="utf-8"?>
+<pc:chgInfo xmlns:a="http://schemas.openxmlformats.org/drawingml/2006/main" xmlns:r="http://schemas.openxmlformats.org/officeDocument/2006/relationships" xmlns:ac="http://schemas.microsoft.com/office/drawing/2013/main/command" xmlns:pc="http://schemas.microsoft.com/office/powerpoint/2013/main/command">
+  <pc:docChgLst>
+    <pc:chgData name="Virve Räni" userId="161a7437-7ef4-49ec-91bf-54882f313dfe" providerId="ADAL" clId="{6D754EED-65AA-4A21-B175-6769012CF487}"/>
+    <pc:docChg chg="modSld">
+      <pc:chgData name="Virve Räni" userId="161a7437-7ef4-49ec-91bf-54882f313dfe" providerId="ADAL" clId="{6D754EED-65AA-4A21-B175-6769012CF487}" dt="2025-09-02T09:44:19.137" v="5" actId="20577"/>
+      <pc:docMkLst>
+        <pc:docMk/>
+      </pc:docMkLst>
+      <pc:sldChg chg="modSp mod">
+        <pc:chgData name="Virve Räni" userId="161a7437-7ef4-49ec-91bf-54882f313dfe" providerId="ADAL" clId="{6D754EED-65AA-4A21-B175-6769012CF487}" dt="2025-09-02T09:44:19.137" v="5" actId="20577"/>
+        <pc:sldMkLst>
+          <pc:docMk/>
+          <pc:sldMk cId="109165733" sldId="556"/>
+        </pc:sldMkLst>
+        <pc:spChg chg="mod">
+          <ac:chgData name="Virve Räni" userId="161a7437-7ef4-49ec-91bf-54882f313dfe" providerId="ADAL" clId="{6D754EED-65AA-4A21-B175-6769012CF487}" dt="2025-09-02T09:44:19.137" v="5" actId="20577"/>
+          <ac:spMkLst>
+            <pc:docMk/>
+            <pc:sldMk cId="109165733" sldId="556"/>
+            <ac:spMk id="5" creationId="{79BC406D-94E4-F8E2-04F1-5E3C55B7B07C}"/>
+          </ac:spMkLst>
+        </pc:spChg>
+      </pc:sldChg>
+      <pc:sldChg chg="modSp mod">
+        <pc:chgData name="Virve Räni" userId="161a7437-7ef4-49ec-91bf-54882f313dfe" providerId="ADAL" clId="{6D754EED-65AA-4A21-B175-6769012CF487}" dt="2025-09-02T09:44:15.007" v="3" actId="20577"/>
+        <pc:sldMkLst>
+          <pc:docMk/>
+          <pc:sldMk cId="2838608381" sldId="644"/>
+        </pc:sldMkLst>
+        <pc:spChg chg="mod">
+          <ac:chgData name="Virve Räni" userId="161a7437-7ef4-49ec-91bf-54882f313dfe" providerId="ADAL" clId="{6D754EED-65AA-4A21-B175-6769012CF487}" dt="2025-09-02T09:44:15.007" v="3" actId="20577"/>
+          <ac:spMkLst>
+            <pc:docMk/>
+            <pc:sldMk cId="2838608381" sldId="644"/>
+            <ac:spMk id="5" creationId="{C8F9C816-F533-C6F6-6632-43FAF5E25536}"/>
+          </ac:spMkLst>
+        </pc:spChg>
+      </pc:sldChg>
+    </pc:docChg>
+  </pc:docChgLst>
+</pc:chgInfo>
 </file>
 
 <file path=ppt/handoutMasters/handoutMaster1.xml><?xml version="1.0" encoding="utf-8"?>
@@ -255,7 +290,7 @@
           <a:p>
             <a:fld id="{F9D2AD6E-DEDD-49A0-A4BE-7A081A9112DA}" type="datetimeFigureOut">
               <a:rPr lang="en-US" smtClean="0"/>
-              <a:t>9/1/2025</a:t>
+              <a:t>9/2/2025</a:t>
             </a:fld>
             <a:endParaRPr lang="en-US"/>
           </a:p>
@@ -431,7 +466,7 @@
           </a:lstStyle>
           <a:p>
             <a:fld id="{2AF9C1A6-4321-41FA-B001-4140F0E2457F}" type="datetimeFigureOut">
-              <a:t>01.09.2025</a:t>
+              <a:t>02.09.2025</a:t>
             </a:fld>
             <a:endParaRPr lang="en-US"/>
           </a:p>
@@ -11910,7 +11945,7 @@
           <a:p>
             <a:fld id="{DE840A40-73C8-4048-8140-49F5D65BB431}" type="datetimeFigureOut">
               <a:rPr lang="et-EE" smtClean="0"/>
-              <a:t>01.09.2025</a:t>
+              <a:t>02.09.2025</a:t>
             </a:fld>
             <a:endParaRPr lang="et-EE"/>
           </a:p>
@@ -24138,7 +24173,7 @@
                 <a:ea typeface="Inter"/>
                 <a:cs typeface="+mn-lt"/>
               </a:rPr>
-              <a:t>sql_ulesanded_6.txt</a:t>
+              <a:t>sql_ulesanded_5.txt</a:t>
             </a:r>
           </a:p>
           <a:p>
@@ -31585,12 +31620,6 @@
 </file>
 
 <file path=customXml/item1.xml><?xml version="1.0" encoding="utf-8"?>
-<p:properties xmlns:p="http://schemas.microsoft.com/office/2006/metadata/properties" xmlns:xsi="http://www.w3.org/2001/XMLSchema-instance" xmlns:pc="http://schemas.microsoft.com/office/infopath/2007/PartnerControls">
-  <documentManagement/>
-</p:properties>
-</file>
-
-<file path=customXml/item2.xml><?xml version="1.0" encoding="utf-8"?>
 <ct:contentTypeSchema xmlns:ct="http://schemas.microsoft.com/office/2006/metadata/contentType" xmlns:ma="http://schemas.microsoft.com/office/2006/metadata/properties/metaAttributes" ct:_="" ma:_="" ma:contentTypeName="Document" ma:contentTypeID="0x010100C4D27B8FA8976546BCD79313C588588D" ma:contentTypeVersion="8" ma:contentTypeDescription="Create a new document." ma:contentTypeScope="" ma:versionID="a112c56f6fe148a79025c76584832af0">
   <xsd:schema xmlns:xsd="http://www.w3.org/2001/XMLSchema" xmlns:xs="http://www.w3.org/2001/XMLSchema" xmlns:p="http://schemas.microsoft.com/office/2006/metadata/properties" xmlns:ns2="a1a2d923-8fea-42f1-bd41-9cdfff65694e" targetNamespace="http://schemas.microsoft.com/office/2006/metadata/properties" ma:root="true" ma:fieldsID="97c8655d467eaa9470a714421e7268c0" ns2:_="">
     <xsd:import namespace="a1a2d923-8fea-42f1-bd41-9cdfff65694e"/>
@@ -31758,6 +31787,12 @@
 </ct:contentTypeSchema>
 </file>
 
+<file path=customXml/item2.xml><?xml version="1.0" encoding="utf-8"?>
+<p:properties xmlns:p="http://schemas.microsoft.com/office/2006/metadata/properties" xmlns:xsi="http://www.w3.org/2001/XMLSchema-instance" xmlns:pc="http://schemas.microsoft.com/office/infopath/2007/PartnerControls">
+  <documentManagement/>
+</p:properties>
+</file>
+
 <file path=customXml/item3.xml><?xml version="1.0" encoding="utf-8"?>
 <?mso-contentType ?>
 <FormTemplates xmlns="http://schemas.microsoft.com/sharepoint/v3/contenttype/forms">
@@ -31768,15 +31803,6 @@
 </file>
 
 <file path=customXml/itemProps1.xml><?xml version="1.0" encoding="utf-8"?>
-<ds:datastoreItem xmlns:ds="http://schemas.openxmlformats.org/officeDocument/2006/customXml" ds:itemID="{5BDF4908-A52A-47DD-A794-6E02D71942FC}">
-  <ds:schemaRefs>
-    <ds:schemaRef ds:uri="http://schemas.microsoft.com/office/2006/metadata/properties"/>
-    <ds:schemaRef ds:uri="http://schemas.microsoft.com/office/infopath/2007/PartnerControls"/>
-  </ds:schemaRefs>
-</ds:datastoreItem>
-</file>
-
-<file path=customXml/itemProps2.xml><?xml version="1.0" encoding="utf-8"?>
 <ds:datastoreItem xmlns:ds="http://schemas.openxmlformats.org/officeDocument/2006/customXml" ds:itemID="{9CF4F972-2392-44D0-AA45-41AC4FDC4A59}">
   <ds:schemaRefs>
     <ds:schemaRef ds:uri="a1a2d923-8fea-42f1-bd41-9cdfff65694e"/>
@@ -31794,6 +31820,15 @@
 </ds:datastoreItem>
 </file>
 
+<file path=customXml/itemProps2.xml><?xml version="1.0" encoding="utf-8"?>
+<ds:datastoreItem xmlns:ds="http://schemas.openxmlformats.org/officeDocument/2006/customXml" ds:itemID="{5BDF4908-A52A-47DD-A794-6E02D71942FC}">
+  <ds:schemaRefs>
+    <ds:schemaRef ds:uri="http://schemas.microsoft.com/office/2006/metadata/properties"/>
+    <ds:schemaRef ds:uri="http://schemas.microsoft.com/office/infopath/2007/PartnerControls"/>
+  </ds:schemaRefs>
+</ds:datastoreItem>
+</file>
+
 <file path=customXml/itemProps3.xml><?xml version="1.0" encoding="utf-8"?>
 <ds:datastoreItem xmlns:ds="http://schemas.openxmlformats.org/officeDocument/2006/customXml" ds:itemID="{9DC439CA-6F1C-4005-ACA6-A52E04DEE0A7}">
   <ds:schemaRefs>
